--- a/working/GUI/Image/이미지제작용.pptx
+++ b/working/GUI/Image/이미지제작용.pptx
@@ -7,6 +7,7 @@
   <p:sldIdLst>
     <p:sldId id="256" r:id="rId2"/>
     <p:sldId id="257" r:id="rId3"/>
+    <p:sldId id="258" r:id="rId4"/>
   </p:sldIdLst>
   <p:sldSz cx="9144000" cy="6858000" type="screen4x3"/>
   <p:notesSz cx="6858000" cy="9144000"/>
@@ -290,7 +291,7 @@
             <a:fld id="{7D595595-67CC-4EE9-B07E-555436DFB3F3}" type="datetimeFigureOut">
               <a:rPr lang="ko-KR" altLang="en-US" smtClean="0"/>
               <a:pPr/>
-              <a:t>2021-07-01</a:t>
+              <a:t>2021-07-23</a:t>
             </a:fld>
             <a:endParaRPr lang="ko-KR" altLang="en-US"/>
           </a:p>
@@ -457,7 +458,7 @@
             <a:fld id="{7D595595-67CC-4EE9-B07E-555436DFB3F3}" type="datetimeFigureOut">
               <a:rPr lang="ko-KR" altLang="en-US" smtClean="0"/>
               <a:pPr/>
-              <a:t>2021-07-01</a:t>
+              <a:t>2021-07-23</a:t>
             </a:fld>
             <a:endParaRPr lang="ko-KR" altLang="en-US"/>
           </a:p>
@@ -634,7 +635,7 @@
             <a:fld id="{7D595595-67CC-4EE9-B07E-555436DFB3F3}" type="datetimeFigureOut">
               <a:rPr lang="ko-KR" altLang="en-US" smtClean="0"/>
               <a:pPr/>
-              <a:t>2021-07-01</a:t>
+              <a:t>2021-07-23</a:t>
             </a:fld>
             <a:endParaRPr lang="ko-KR" altLang="en-US"/>
           </a:p>
@@ -801,7 +802,7 @@
             <a:fld id="{7D595595-67CC-4EE9-B07E-555436DFB3F3}" type="datetimeFigureOut">
               <a:rPr lang="ko-KR" altLang="en-US" smtClean="0"/>
               <a:pPr/>
-              <a:t>2021-07-01</a:t>
+              <a:t>2021-07-23</a:t>
             </a:fld>
             <a:endParaRPr lang="ko-KR" altLang="en-US"/>
           </a:p>
@@ -1044,7 +1045,7 @@
             <a:fld id="{7D595595-67CC-4EE9-B07E-555436DFB3F3}" type="datetimeFigureOut">
               <a:rPr lang="ko-KR" altLang="en-US" smtClean="0"/>
               <a:pPr/>
-              <a:t>2021-07-01</a:t>
+              <a:t>2021-07-23</a:t>
             </a:fld>
             <a:endParaRPr lang="ko-KR" altLang="en-US"/>
           </a:p>
@@ -1329,7 +1330,7 @@
             <a:fld id="{7D595595-67CC-4EE9-B07E-555436DFB3F3}" type="datetimeFigureOut">
               <a:rPr lang="ko-KR" altLang="en-US" smtClean="0"/>
               <a:pPr/>
-              <a:t>2021-07-01</a:t>
+              <a:t>2021-07-23</a:t>
             </a:fld>
             <a:endParaRPr lang="ko-KR" altLang="en-US"/>
           </a:p>
@@ -1748,7 +1749,7 @@
             <a:fld id="{7D595595-67CC-4EE9-B07E-555436DFB3F3}" type="datetimeFigureOut">
               <a:rPr lang="ko-KR" altLang="en-US" smtClean="0"/>
               <a:pPr/>
-              <a:t>2021-07-01</a:t>
+              <a:t>2021-07-23</a:t>
             </a:fld>
             <a:endParaRPr lang="ko-KR" altLang="en-US"/>
           </a:p>
@@ -1863,7 +1864,7 @@
             <a:fld id="{7D595595-67CC-4EE9-B07E-555436DFB3F3}" type="datetimeFigureOut">
               <a:rPr lang="ko-KR" altLang="en-US" smtClean="0"/>
               <a:pPr/>
-              <a:t>2021-07-01</a:t>
+              <a:t>2021-07-23</a:t>
             </a:fld>
             <a:endParaRPr lang="ko-KR" altLang="en-US"/>
           </a:p>
@@ -1955,7 +1956,7 @@
             <a:fld id="{7D595595-67CC-4EE9-B07E-555436DFB3F3}" type="datetimeFigureOut">
               <a:rPr lang="ko-KR" altLang="en-US" smtClean="0"/>
               <a:pPr/>
-              <a:t>2021-07-01</a:t>
+              <a:t>2021-07-23</a:t>
             </a:fld>
             <a:endParaRPr lang="ko-KR" altLang="en-US"/>
           </a:p>
@@ -2229,7 +2230,7 @@
             <a:fld id="{7D595595-67CC-4EE9-B07E-555436DFB3F3}" type="datetimeFigureOut">
               <a:rPr lang="ko-KR" altLang="en-US" smtClean="0"/>
               <a:pPr/>
-              <a:t>2021-07-01</a:t>
+              <a:t>2021-07-23</a:t>
             </a:fld>
             <a:endParaRPr lang="ko-KR" altLang="en-US"/>
           </a:p>
@@ -2479,7 +2480,7 @@
             <a:fld id="{7D595595-67CC-4EE9-B07E-555436DFB3F3}" type="datetimeFigureOut">
               <a:rPr lang="ko-KR" altLang="en-US" smtClean="0"/>
               <a:pPr/>
-              <a:t>2021-07-01</a:t>
+              <a:t>2021-07-23</a:t>
             </a:fld>
             <a:endParaRPr lang="ko-KR" altLang="en-US"/>
           </a:p>
@@ -2689,7 +2690,7 @@
             <a:fld id="{7D595595-67CC-4EE9-B07E-555436DFB3F3}" type="datetimeFigureOut">
               <a:rPr lang="ko-KR" altLang="en-US" smtClean="0"/>
               <a:pPr/>
-              <a:t>2021-07-01</a:t>
+              <a:t>2021-07-23</a:t>
             </a:fld>
             <a:endParaRPr lang="ko-KR" altLang="en-US"/>
           </a:p>
@@ -3311,81 +3312,70 @@
       </p:grpSpPr>
       <p:grpSp>
         <p:nvGrpSpPr>
-          <p:cNvPr id="8" name="그룹 7"/>
+          <p:cNvPr id="12" name="그룹 11"/>
           <p:cNvGrpSpPr/>
           <p:nvPr/>
         </p:nvGrpSpPr>
         <p:grpSpPr>
           <a:xfrm>
-            <a:off x="0" y="63440"/>
-            <a:ext cx="4643470" cy="3222684"/>
-            <a:chOff x="0" y="63440"/>
-            <a:chExt cx="4643470" cy="3222684"/>
+            <a:off x="0" y="142852"/>
+            <a:ext cx="4643470" cy="3143272"/>
+            <a:chOff x="0" y="142852"/>
+            <a:chExt cx="4643470" cy="3143272"/>
           </a:xfrm>
         </p:grpSpPr>
-        <p:grpSp>
-          <p:nvGrpSpPr>
-            <p:cNvPr id="7" name="그룹 6"/>
-            <p:cNvGrpSpPr/>
+        <p:pic>
+          <p:nvPicPr>
+            <p:cNvPr id="1027" name="Picture 3" descr="C:\Users\user\PycharmProjects\working\GUI\Image\Increase_2.png"/>
+            <p:cNvPicPr>
+              <a:picLocks noChangeAspect="1" noChangeArrowheads="1"/>
+            </p:cNvPicPr>
             <p:nvPr/>
-          </p:nvGrpSpPr>
-          <p:grpSpPr>
+          </p:nvPicPr>
+          <p:blipFill>
+            <a:blip r:embed="rId2"/>
+            <a:srcRect/>
+            <a:stretch>
+              <a:fillRect/>
+            </a:stretch>
+          </p:blipFill>
+          <p:spPr bwMode="auto">
             <a:xfrm>
-              <a:off x="211137" y="63440"/>
-              <a:ext cx="4289425" cy="1936800"/>
-              <a:chOff x="928662" y="1928802"/>
-              <a:chExt cx="4289425" cy="1936800"/>
+              <a:off x="285720" y="142852"/>
+              <a:ext cx="1798638" cy="1804987"/>
             </a:xfrm>
-          </p:grpSpPr>
-          <p:pic>
-            <p:nvPicPr>
-              <p:cNvPr id="4" name="그림 3" descr="Increase.png"/>
-              <p:cNvPicPr>
-                <a:picLocks noChangeAspect="1"/>
-              </p:cNvPicPr>
-              <p:nvPr/>
-            </p:nvPicPr>
-            <p:blipFill>
-              <a:blip r:embed="rId2"/>
-              <a:stretch>
-                <a:fillRect/>
-              </a:stretch>
-            </p:blipFill>
-            <p:spPr>
-              <a:xfrm>
-                <a:off x="928662" y="1928802"/>
-                <a:ext cx="1931698" cy="1936527"/>
-              </a:xfrm>
-              <a:prstGeom prst="rect">
-                <a:avLst/>
-              </a:prstGeom>
-            </p:spPr>
-          </p:pic>
-          <p:pic>
-            <p:nvPicPr>
-              <p:cNvPr id="5" name="그림 4" descr="Decrease.png"/>
-              <p:cNvPicPr>
-                <a:picLocks noChangeAspect="1"/>
-              </p:cNvPicPr>
-              <p:nvPr/>
-            </p:nvPicPr>
-            <p:blipFill>
-              <a:blip r:embed="rId3"/>
-              <a:stretch>
-                <a:fillRect/>
-              </a:stretch>
-            </p:blipFill>
-            <p:spPr>
-              <a:xfrm>
-                <a:off x="3286116" y="1928802"/>
-                <a:ext cx="1931971" cy="1936800"/>
-              </a:xfrm>
-              <a:prstGeom prst="rect">
-                <a:avLst/>
-              </a:prstGeom>
-            </p:spPr>
-          </p:pic>
-        </p:grpSp>
+            <a:prstGeom prst="rect">
+              <a:avLst/>
+            </a:prstGeom>
+            <a:noFill/>
+          </p:spPr>
+        </p:pic>
+        <p:pic>
+          <p:nvPicPr>
+            <p:cNvPr id="2" name="Picture 2" descr="C:\Users\user\PycharmProjects\working\GUI\Image\decrease_2.png"/>
+            <p:cNvPicPr>
+              <a:picLocks noChangeAspect="1" noChangeArrowheads="1"/>
+            </p:cNvPicPr>
+            <p:nvPr/>
+          </p:nvPicPr>
+          <p:blipFill>
+            <a:blip r:embed="rId3"/>
+            <a:srcRect/>
+            <a:stretch>
+              <a:fillRect/>
+            </a:stretch>
+          </p:blipFill>
+          <p:spPr bwMode="auto">
+            <a:xfrm>
+              <a:off x="2643174" y="142852"/>
+              <a:ext cx="1798638" cy="1804987"/>
+            </a:xfrm>
+            <a:prstGeom prst="rect">
+              <a:avLst/>
+            </a:prstGeom>
+            <a:noFill/>
+          </p:spPr>
+        </p:pic>
         <p:sp>
           <p:nvSpPr>
             <p:cNvPr id="6" name="TextBox 5"/>
@@ -3576,6 +3566,353 @@
             <a:endParaRPr lang="ko-KR" altLang="en-US" sz="2400" dirty="0">
               <a:latin typeface="에스코어 드림 6 Bold" pitchFamily="34" charset="-127"/>
               <a:ea typeface="에스코어 드림 6 Bold" pitchFamily="34" charset="-127"/>
+            </a:endParaRPr>
+          </a:p>
+        </p:txBody>
+      </p:sp>
+    </p:spTree>
+  </p:cSld>
+  <p:clrMapOvr>
+    <a:masterClrMapping/>
+  </p:clrMapOvr>
+</p:sld>
+</file>
+
+<file path=ppt/slides/slide3.xml><?xml version="1.0" encoding="utf-8"?>
+<p:sld xmlns:a="http://schemas.openxmlformats.org/drawingml/2006/main" xmlns:r="http://schemas.openxmlformats.org/officeDocument/2006/relationships" xmlns:p="http://schemas.openxmlformats.org/presentationml/2006/main">
+  <p:cSld>
+    <p:spTree>
+      <p:nvGrpSpPr>
+        <p:cNvPr id="1" name=""/>
+        <p:cNvGrpSpPr/>
+        <p:nvPr/>
+      </p:nvGrpSpPr>
+      <p:grpSpPr>
+        <a:xfrm>
+          <a:off x="0" y="0"/>
+          <a:ext cx="0" cy="0"/>
+          <a:chOff x="0" y="0"/>
+          <a:chExt cx="0" cy="0"/>
+        </a:xfrm>
+      </p:grpSpPr>
+      <p:sp>
+        <p:nvSpPr>
+          <p:cNvPr id="2" name="제목 1"/>
+          <p:cNvSpPr>
+            <a:spLocks noGrp="1"/>
+          </p:cNvSpPr>
+          <p:nvPr>
+            <p:ph type="title"/>
+          </p:nvPr>
+        </p:nvSpPr>
+        <p:spPr/>
+        <p:txBody>
+          <a:bodyPr/>
+          <a:lstStyle/>
+          <a:p>
+            <a:endParaRPr lang="ko-KR" altLang="en-US"/>
+          </a:p>
+        </p:txBody>
+      </p:sp>
+      <p:pic>
+        <p:nvPicPr>
+          <p:cNvPr id="1027" name="Picture 3"/>
+          <p:cNvPicPr>
+            <a:picLocks noChangeAspect="1" noChangeArrowheads="1"/>
+          </p:cNvPicPr>
+          <p:nvPr/>
+        </p:nvPicPr>
+        <p:blipFill>
+          <a:blip r:embed="rId2"/>
+          <a:srcRect l="21160" r="62382" b="68009"/>
+          <a:stretch>
+            <a:fillRect/>
+          </a:stretch>
+        </p:blipFill>
+        <p:spPr bwMode="auto">
+          <a:xfrm rot="10800000" flipH="1">
+            <a:off x="3071802" y="4429132"/>
+            <a:ext cx="500066" cy="642942"/>
+          </a:xfrm>
+          <a:prstGeom prst="rect">
+            <a:avLst/>
+          </a:prstGeom>
+          <a:noFill/>
+          <a:ln w="9525">
+            <a:noFill/>
+            <a:miter lim="800000"/>
+            <a:headEnd/>
+            <a:tailEnd/>
+          </a:ln>
+          <a:effectLst/>
+        </p:spPr>
+      </p:pic>
+      <p:pic>
+        <p:nvPicPr>
+          <p:cNvPr id="1029" name="Picture 5"/>
+          <p:cNvPicPr>
+            <a:picLocks noGrp="1" noChangeAspect="1" noChangeArrowheads="1"/>
+          </p:cNvPicPr>
+          <p:nvPr>
+            <p:ph idx="1"/>
+          </p:nvPr>
+        </p:nvPicPr>
+        <p:blipFill>
+          <a:blip r:embed="rId2"/>
+          <a:srcRect l="39969" r="41222" b="68010"/>
+          <a:stretch>
+            <a:fillRect/>
+          </a:stretch>
+        </p:blipFill>
+        <p:spPr bwMode="auto">
+          <a:xfrm flipH="1">
+            <a:off x="3000364" y="2643182"/>
+            <a:ext cx="571504" cy="642923"/>
+          </a:xfrm>
+          <a:prstGeom prst="rect">
+            <a:avLst/>
+          </a:prstGeom>
+          <a:noFill/>
+          <a:ln w="9525">
+            <a:noFill/>
+            <a:miter lim="800000"/>
+            <a:headEnd/>
+            <a:tailEnd/>
+          </a:ln>
+          <a:effectLst/>
+        </p:spPr>
+      </p:pic>
+      <p:pic>
+        <p:nvPicPr>
+          <p:cNvPr id="1030" name="Picture 6"/>
+          <p:cNvPicPr>
+            <a:picLocks noChangeAspect="1" noChangeArrowheads="1"/>
+          </p:cNvPicPr>
+          <p:nvPr/>
+        </p:nvPicPr>
+        <p:blipFill>
+          <a:blip r:embed="rId2"/>
+          <a:srcRect l="39969" t="63981" r="41222"/>
+          <a:stretch>
+            <a:fillRect/>
+          </a:stretch>
+        </p:blipFill>
+        <p:spPr bwMode="auto">
+          <a:xfrm>
+            <a:off x="1357290" y="3286124"/>
+            <a:ext cx="857256" cy="1085837"/>
+          </a:xfrm>
+          <a:prstGeom prst="rect">
+            <a:avLst/>
+          </a:prstGeom>
+          <a:noFill/>
+          <a:ln w="9525">
+            <a:noFill/>
+            <a:miter lim="800000"/>
+            <a:headEnd/>
+            <a:tailEnd/>
+          </a:ln>
+          <a:effectLst/>
+        </p:spPr>
+      </p:pic>
+      <p:pic>
+        <p:nvPicPr>
+          <p:cNvPr id="10" name="Picture 6"/>
+          <p:cNvPicPr>
+            <a:picLocks noChangeAspect="1" noChangeArrowheads="1"/>
+          </p:cNvPicPr>
+          <p:nvPr/>
+        </p:nvPicPr>
+        <p:blipFill>
+          <a:blip r:embed="rId2"/>
+          <a:srcRect l="39969" t="31990" r="41222" b="36019"/>
+          <a:stretch>
+            <a:fillRect/>
+          </a:stretch>
+        </p:blipFill>
+        <p:spPr bwMode="auto">
+          <a:xfrm>
+            <a:off x="3000364" y="3500438"/>
+            <a:ext cx="571504" cy="642942"/>
+          </a:xfrm>
+          <a:prstGeom prst="rect">
+            <a:avLst/>
+          </a:prstGeom>
+          <a:noFill/>
+          <a:ln w="9525">
+            <a:noFill/>
+            <a:miter lim="800000"/>
+            <a:headEnd/>
+            <a:tailEnd/>
+          </a:ln>
+          <a:effectLst/>
+        </p:spPr>
+      </p:pic>
+      <p:sp>
+        <p:nvSpPr>
+          <p:cNvPr id="11" name="덧셈 기호 10"/>
+          <p:cNvSpPr/>
+          <p:nvPr/>
+        </p:nvSpPr>
+        <p:spPr>
+          <a:xfrm>
+            <a:off x="2285984" y="3500438"/>
+            <a:ext cx="642942" cy="642942"/>
+          </a:xfrm>
+          <a:prstGeom prst="mathPlus">
+            <a:avLst/>
+          </a:prstGeom>
+        </p:spPr>
+        <p:style>
+          <a:lnRef idx="2">
+            <a:schemeClr val="dk1">
+              <a:shade val="50000"/>
+            </a:schemeClr>
+          </a:lnRef>
+          <a:fillRef idx="1">
+            <a:schemeClr val="dk1"/>
+          </a:fillRef>
+          <a:effectRef idx="0">
+            <a:schemeClr val="dk1"/>
+          </a:effectRef>
+          <a:fontRef idx="minor">
+            <a:schemeClr val="lt1"/>
+          </a:fontRef>
+        </p:style>
+        <p:txBody>
+          <a:bodyPr rtlCol="0" anchor="ctr"/>
+          <a:lstStyle/>
+          <a:p>
+            <a:pPr algn="ctr"/>
+            <a:endParaRPr lang="ko-KR" altLang="en-US"/>
+          </a:p>
+        </p:txBody>
+      </p:sp>
+      <p:sp>
+        <p:nvSpPr>
+          <p:cNvPr id="12" name="TextBox 11"/>
+          <p:cNvSpPr txBox="1"/>
+          <p:nvPr/>
+        </p:nvSpPr>
+        <p:spPr>
+          <a:xfrm>
+            <a:off x="3714744" y="2845354"/>
+            <a:ext cx="1257075" cy="369332"/>
+          </a:xfrm>
+          <a:prstGeom prst="rect">
+            <a:avLst/>
+          </a:prstGeom>
+          <a:noFill/>
+        </p:spPr>
+        <p:txBody>
+          <a:bodyPr wrap="none" rtlCol="0">
+            <a:spAutoFit/>
+          </a:bodyPr>
+          <a:lstStyle/>
+          <a:p>
+            <a:r>
+              <a:rPr lang="ko-KR" altLang="en-US" dirty="0" smtClean="0">
+                <a:latin typeface="에스코어 드림 7 ExtraBold" pitchFamily="34" charset="-127"/>
+                <a:ea typeface="에스코어 드림 7 ExtraBold" pitchFamily="34" charset="-127"/>
+              </a:rPr>
+              <a:t>경사 위로</a:t>
+            </a:r>
+            <a:r>
+              <a:rPr lang="en-US" altLang="ko-KR" dirty="0" smtClean="0">
+                <a:latin typeface="에스코어 드림 7 ExtraBold" pitchFamily="34" charset="-127"/>
+                <a:ea typeface="에스코어 드림 7 ExtraBold" pitchFamily="34" charset="-127"/>
+              </a:rPr>
+              <a:t>!</a:t>
+            </a:r>
+            <a:endParaRPr lang="ko-KR" altLang="en-US" dirty="0">
+              <a:latin typeface="에스코어 드림 7 ExtraBold" pitchFamily="34" charset="-127"/>
+              <a:ea typeface="에스코어 드림 7 ExtraBold" pitchFamily="34" charset="-127"/>
+            </a:endParaRPr>
+          </a:p>
+        </p:txBody>
+      </p:sp>
+      <p:sp>
+        <p:nvSpPr>
+          <p:cNvPr id="13" name="TextBox 12"/>
+          <p:cNvSpPr txBox="1"/>
+          <p:nvPr/>
+        </p:nvSpPr>
+        <p:spPr>
+          <a:xfrm>
+            <a:off x="3714744" y="3643314"/>
+            <a:ext cx="713657" cy="369332"/>
+          </a:xfrm>
+          <a:prstGeom prst="rect">
+            <a:avLst/>
+          </a:prstGeom>
+          <a:noFill/>
+        </p:spPr>
+        <p:txBody>
+          <a:bodyPr wrap="none" rtlCol="0">
+            <a:spAutoFit/>
+          </a:bodyPr>
+          <a:lstStyle/>
+          <a:p>
+            <a:r>
+              <a:rPr lang="ko-KR" altLang="en-US" dirty="0" smtClean="0">
+                <a:latin typeface="에스코어 드림 7 ExtraBold" pitchFamily="34" charset="-127"/>
+                <a:ea typeface="에스코어 드림 7 ExtraBold" pitchFamily="34" charset="-127"/>
+              </a:rPr>
+              <a:t>멈춰</a:t>
+            </a:r>
+            <a:r>
+              <a:rPr lang="en-US" altLang="ko-KR" dirty="0" smtClean="0">
+                <a:latin typeface="에스코어 드림 7 ExtraBold" pitchFamily="34" charset="-127"/>
+                <a:ea typeface="에스코어 드림 7 ExtraBold" pitchFamily="34" charset="-127"/>
+              </a:rPr>
+              <a:t>!</a:t>
+            </a:r>
+            <a:endParaRPr lang="ko-KR" altLang="en-US" dirty="0">
+              <a:latin typeface="에스코어 드림 7 ExtraBold" pitchFamily="34" charset="-127"/>
+              <a:ea typeface="에스코어 드림 7 ExtraBold" pitchFamily="34" charset="-127"/>
+            </a:endParaRPr>
+          </a:p>
+        </p:txBody>
+      </p:sp>
+      <p:sp>
+        <p:nvSpPr>
+          <p:cNvPr id="14" name="TextBox 13"/>
+          <p:cNvSpPr txBox="1"/>
+          <p:nvPr/>
+        </p:nvSpPr>
+        <p:spPr>
+          <a:xfrm>
+            <a:off x="3714744" y="4500570"/>
+            <a:ext cx="1487908" cy="369332"/>
+          </a:xfrm>
+          <a:prstGeom prst="rect">
+            <a:avLst/>
+          </a:prstGeom>
+          <a:noFill/>
+        </p:spPr>
+        <p:txBody>
+          <a:bodyPr wrap="none" rtlCol="0">
+            <a:spAutoFit/>
+          </a:bodyPr>
+          <a:lstStyle/>
+          <a:p>
+            <a:r>
+              <a:rPr lang="ko-KR" altLang="en-US" dirty="0" smtClean="0">
+                <a:latin typeface="에스코어 드림 7 ExtraBold" pitchFamily="34" charset="-127"/>
+                <a:ea typeface="에스코어 드림 7 ExtraBold" pitchFamily="34" charset="-127"/>
+              </a:rPr>
+              <a:t>경사 아래로</a:t>
+            </a:r>
+            <a:r>
+              <a:rPr lang="en-US" altLang="ko-KR" dirty="0" smtClean="0">
+                <a:latin typeface="에스코어 드림 7 ExtraBold" pitchFamily="34" charset="-127"/>
+                <a:ea typeface="에스코어 드림 7 ExtraBold" pitchFamily="34" charset="-127"/>
+              </a:rPr>
+              <a:t>!</a:t>
+            </a:r>
+            <a:endParaRPr lang="ko-KR" altLang="en-US" dirty="0">
+              <a:latin typeface="에스코어 드림 7 ExtraBold" pitchFamily="34" charset="-127"/>
+              <a:ea typeface="에스코어 드림 7 ExtraBold" pitchFamily="34" charset="-127"/>
             </a:endParaRPr>
           </a:p>
         </p:txBody>

--- a/working/GUI/Image/이미지제작용.pptx
+++ b/working/GUI/Image/이미지제작용.pptx
@@ -7,7 +7,11 @@
   <p:sldIdLst>
     <p:sldId id="256" r:id="rId2"/>
     <p:sldId id="257" r:id="rId3"/>
-    <p:sldId id="258" r:id="rId4"/>
+    <p:sldId id="259" r:id="rId4"/>
+    <p:sldId id="258" r:id="rId5"/>
+    <p:sldId id="260" r:id="rId6"/>
+    <p:sldId id="261" r:id="rId7"/>
+    <p:sldId id="263" r:id="rId8"/>
   </p:sldIdLst>
   <p:sldSz cx="9144000" cy="6858000" type="screen4x3"/>
   <p:notesSz cx="6858000" cy="9144000"/>
@@ -291,7 +295,7 @@
             <a:fld id="{7D595595-67CC-4EE9-B07E-555436DFB3F3}" type="datetimeFigureOut">
               <a:rPr lang="ko-KR" altLang="en-US" smtClean="0"/>
               <a:pPr/>
-              <a:t>2021-07-23</a:t>
+              <a:t>2021-08-11</a:t>
             </a:fld>
             <a:endParaRPr lang="ko-KR" altLang="en-US"/>
           </a:p>
@@ -458,7 +462,7 @@
             <a:fld id="{7D595595-67CC-4EE9-B07E-555436DFB3F3}" type="datetimeFigureOut">
               <a:rPr lang="ko-KR" altLang="en-US" smtClean="0"/>
               <a:pPr/>
-              <a:t>2021-07-23</a:t>
+              <a:t>2021-08-11</a:t>
             </a:fld>
             <a:endParaRPr lang="ko-KR" altLang="en-US"/>
           </a:p>
@@ -635,7 +639,7 @@
             <a:fld id="{7D595595-67CC-4EE9-B07E-555436DFB3F3}" type="datetimeFigureOut">
               <a:rPr lang="ko-KR" altLang="en-US" smtClean="0"/>
               <a:pPr/>
-              <a:t>2021-07-23</a:t>
+              <a:t>2021-08-11</a:t>
             </a:fld>
             <a:endParaRPr lang="ko-KR" altLang="en-US"/>
           </a:p>
@@ -802,7 +806,7 @@
             <a:fld id="{7D595595-67CC-4EE9-B07E-555436DFB3F3}" type="datetimeFigureOut">
               <a:rPr lang="ko-KR" altLang="en-US" smtClean="0"/>
               <a:pPr/>
-              <a:t>2021-07-23</a:t>
+              <a:t>2021-08-11</a:t>
             </a:fld>
             <a:endParaRPr lang="ko-KR" altLang="en-US"/>
           </a:p>
@@ -1045,7 +1049,7 @@
             <a:fld id="{7D595595-67CC-4EE9-B07E-555436DFB3F3}" type="datetimeFigureOut">
               <a:rPr lang="ko-KR" altLang="en-US" smtClean="0"/>
               <a:pPr/>
-              <a:t>2021-07-23</a:t>
+              <a:t>2021-08-11</a:t>
             </a:fld>
             <a:endParaRPr lang="ko-KR" altLang="en-US"/>
           </a:p>
@@ -1330,7 +1334,7 @@
             <a:fld id="{7D595595-67CC-4EE9-B07E-555436DFB3F3}" type="datetimeFigureOut">
               <a:rPr lang="ko-KR" altLang="en-US" smtClean="0"/>
               <a:pPr/>
-              <a:t>2021-07-23</a:t>
+              <a:t>2021-08-11</a:t>
             </a:fld>
             <a:endParaRPr lang="ko-KR" altLang="en-US"/>
           </a:p>
@@ -1749,7 +1753,7 @@
             <a:fld id="{7D595595-67CC-4EE9-B07E-555436DFB3F3}" type="datetimeFigureOut">
               <a:rPr lang="ko-KR" altLang="en-US" smtClean="0"/>
               <a:pPr/>
-              <a:t>2021-07-23</a:t>
+              <a:t>2021-08-11</a:t>
             </a:fld>
             <a:endParaRPr lang="ko-KR" altLang="en-US"/>
           </a:p>
@@ -1864,7 +1868,7 @@
             <a:fld id="{7D595595-67CC-4EE9-B07E-555436DFB3F3}" type="datetimeFigureOut">
               <a:rPr lang="ko-KR" altLang="en-US" smtClean="0"/>
               <a:pPr/>
-              <a:t>2021-07-23</a:t>
+              <a:t>2021-08-11</a:t>
             </a:fld>
             <a:endParaRPr lang="ko-KR" altLang="en-US"/>
           </a:p>
@@ -1956,7 +1960,7 @@
             <a:fld id="{7D595595-67CC-4EE9-B07E-555436DFB3F3}" type="datetimeFigureOut">
               <a:rPr lang="ko-KR" altLang="en-US" smtClean="0"/>
               <a:pPr/>
-              <a:t>2021-07-23</a:t>
+              <a:t>2021-08-11</a:t>
             </a:fld>
             <a:endParaRPr lang="ko-KR" altLang="en-US"/>
           </a:p>
@@ -2230,7 +2234,7 @@
             <a:fld id="{7D595595-67CC-4EE9-B07E-555436DFB3F3}" type="datetimeFigureOut">
               <a:rPr lang="ko-KR" altLang="en-US" smtClean="0"/>
               <a:pPr/>
-              <a:t>2021-07-23</a:t>
+              <a:t>2021-08-11</a:t>
             </a:fld>
             <a:endParaRPr lang="ko-KR" altLang="en-US"/>
           </a:p>
@@ -2480,7 +2484,7 @@
             <a:fld id="{7D595595-67CC-4EE9-B07E-555436DFB3F3}" type="datetimeFigureOut">
               <a:rPr lang="ko-KR" altLang="en-US" smtClean="0"/>
               <a:pPr/>
-              <a:t>2021-07-23</a:t>
+              <a:t>2021-08-11</a:t>
             </a:fld>
             <a:endParaRPr lang="ko-KR" altLang="en-US"/>
           </a:p>
@@ -2690,7 +2694,7 @@
             <a:fld id="{7D595595-67CC-4EE9-B07E-555436DFB3F3}" type="datetimeFigureOut">
               <a:rPr lang="ko-KR" altLang="en-US" smtClean="0"/>
               <a:pPr/>
-              <a:t>2021-07-23</a:t>
+              <a:t>2021-08-11</a:t>
             </a:fld>
             <a:endParaRPr lang="ko-KR" altLang="en-US"/>
           </a:p>
@@ -3570,6 +3574,40 @@
           </a:p>
         </p:txBody>
       </p:sp>
+      <p:pic>
+        <p:nvPicPr>
+          <p:cNvPr id="3" name="Picture 2" descr="C:\Users\user\PycharmProjects\working\GUI\Image\program.PNG"/>
+          <p:cNvPicPr>
+            <a:picLocks noChangeAspect="1" noChangeArrowheads="1"/>
+          </p:cNvPicPr>
+          <p:nvPr/>
+        </p:nvPicPr>
+        <p:blipFill>
+          <a:blip r:embed="rId5"/>
+          <a:srcRect b="2332"/>
+          <a:stretch>
+            <a:fillRect/>
+          </a:stretch>
+        </p:blipFill>
+        <p:spPr bwMode="auto">
+          <a:xfrm>
+            <a:off x="4000496" y="-714404"/>
+            <a:ext cx="15230475" cy="8642380"/>
+          </a:xfrm>
+          <a:prstGeom prst="rect">
+            <a:avLst/>
+          </a:prstGeom>
+          <a:noFill/>
+          <a:effectLst>
+            <a:outerShdw blurRad="88900" sx="101000" sy="101000" algn="ctr" rotWithShape="0">
+              <a:schemeClr val="bg1">
+                <a:lumMod val="85000"/>
+                <a:alpha val="48000"/>
+              </a:schemeClr>
+            </a:outerShdw>
+          </a:effectLst>
+        </p:spPr>
+      </p:pic>
     </p:spTree>
   </p:cSld>
   <p:clrMapOvr>
@@ -3614,6 +3652,103 @@
           </a:p>
         </p:txBody>
       </p:sp>
+      <p:sp>
+        <p:nvSpPr>
+          <p:cNvPr id="3" name="내용 개체 틀 2"/>
+          <p:cNvSpPr>
+            <a:spLocks noGrp="1"/>
+          </p:cNvSpPr>
+          <p:nvPr>
+            <p:ph idx="1"/>
+          </p:nvPr>
+        </p:nvSpPr>
+        <p:spPr/>
+        <p:txBody>
+          <a:bodyPr/>
+          <a:lstStyle/>
+          <a:p>
+            <a:endParaRPr lang="ko-KR" altLang="en-US"/>
+          </a:p>
+        </p:txBody>
+      </p:sp>
+      <p:pic>
+        <p:nvPicPr>
+          <p:cNvPr id="1026" name="Picture 2" descr="C:\Users\user\PycharmProjects\working\GUI\Image\guide_11.png"/>
+          <p:cNvPicPr>
+            <a:picLocks noChangeAspect="1" noChangeArrowheads="1"/>
+          </p:cNvPicPr>
+          <p:nvPr/>
+        </p:nvPicPr>
+        <p:blipFill>
+          <a:blip r:embed="rId2"/>
+          <a:srcRect b="2500"/>
+          <a:stretch>
+            <a:fillRect/>
+          </a:stretch>
+        </p:blipFill>
+        <p:spPr bwMode="auto">
+          <a:xfrm>
+            <a:off x="455613" y="973138"/>
+            <a:ext cx="9680575" cy="5384820"/>
+          </a:xfrm>
+          <a:prstGeom prst="rect">
+            <a:avLst/>
+          </a:prstGeom>
+          <a:noFill/>
+          <a:effectLst>
+            <a:outerShdw blurRad="88900" sx="102000" sy="102000" algn="ctr" rotWithShape="0">
+              <a:schemeClr val="bg1">
+                <a:lumMod val="65000"/>
+                <a:alpha val="40000"/>
+              </a:schemeClr>
+            </a:outerShdw>
+          </a:effectLst>
+        </p:spPr>
+      </p:pic>
+    </p:spTree>
+  </p:cSld>
+  <p:clrMapOvr>
+    <a:masterClrMapping/>
+  </p:clrMapOvr>
+</p:sld>
+</file>
+
+<file path=ppt/slides/slide4.xml><?xml version="1.0" encoding="utf-8"?>
+<p:sld xmlns:a="http://schemas.openxmlformats.org/drawingml/2006/main" xmlns:r="http://schemas.openxmlformats.org/officeDocument/2006/relationships" xmlns:p="http://schemas.openxmlformats.org/presentationml/2006/main">
+  <p:cSld>
+    <p:spTree>
+      <p:nvGrpSpPr>
+        <p:cNvPr id="1" name=""/>
+        <p:cNvGrpSpPr/>
+        <p:nvPr/>
+      </p:nvGrpSpPr>
+      <p:grpSpPr>
+        <a:xfrm>
+          <a:off x="0" y="0"/>
+          <a:ext cx="0" cy="0"/>
+          <a:chOff x="0" y="0"/>
+          <a:chExt cx="0" cy="0"/>
+        </a:xfrm>
+      </p:grpSpPr>
+      <p:sp>
+        <p:nvSpPr>
+          <p:cNvPr id="2" name="제목 1"/>
+          <p:cNvSpPr>
+            <a:spLocks noGrp="1"/>
+          </p:cNvSpPr>
+          <p:nvPr>
+            <p:ph type="title"/>
+          </p:nvPr>
+        </p:nvSpPr>
+        <p:spPr/>
+        <p:txBody>
+          <a:bodyPr/>
+          <a:lstStyle/>
+          <a:p>
+            <a:endParaRPr lang="ko-KR" altLang="en-US"/>
+          </a:p>
+        </p:txBody>
+      </p:sp>
       <p:pic>
         <p:nvPicPr>
           <p:cNvPr id="1027" name="Picture 3"/>
@@ -3666,7 +3801,7 @@
         </p:blipFill>
         <p:spPr bwMode="auto">
           <a:xfrm flipH="1">
-            <a:off x="3000364" y="2643182"/>
+            <a:off x="3071802" y="2600305"/>
             <a:ext cx="571504" cy="642923"/>
           </a:xfrm>
           <a:prstGeom prst="rect">
@@ -3699,8 +3834,8 @@
         </p:blipFill>
         <p:spPr bwMode="auto">
           <a:xfrm>
-            <a:off x="1357290" y="3286124"/>
-            <a:ext cx="857256" cy="1085837"/>
+            <a:off x="1928794" y="2500306"/>
+            <a:ext cx="642942" cy="814379"/>
           </a:xfrm>
           <a:prstGeom prst="rect">
             <a:avLst/>
@@ -3732,7 +3867,7 @@
         </p:blipFill>
         <p:spPr bwMode="auto">
           <a:xfrm>
-            <a:off x="3000364" y="3500438"/>
+            <a:off x="3071802" y="3500438"/>
             <a:ext cx="571504" cy="642942"/>
           </a:xfrm>
           <a:prstGeom prst="rect">
@@ -3756,8 +3891,8 @@
         </p:nvSpPr>
         <p:spPr>
           <a:xfrm>
-            <a:off x="2285984" y="3500438"/>
-            <a:ext cx="642942" cy="642942"/>
+            <a:off x="2643174" y="2786058"/>
+            <a:ext cx="357190" cy="357190"/>
           </a:xfrm>
           <a:prstGeom prst="mathPlus">
             <a:avLst/>
@@ -3788,107 +3923,581 @@
           </a:p>
         </p:txBody>
       </p:sp>
-      <p:sp>
-        <p:nvSpPr>
-          <p:cNvPr id="12" name="TextBox 11"/>
-          <p:cNvSpPr txBox="1"/>
+      <p:pic>
+        <p:nvPicPr>
+          <p:cNvPr id="1026" name="Picture 2" descr="C:\Users\user\PycharmProjects\working\GUI\Image\stop-icon-128.png"/>
+          <p:cNvPicPr>
+            <a:picLocks noChangeAspect="1" noChangeArrowheads="1"/>
+          </p:cNvPicPr>
           <p:nvPr/>
-        </p:nvSpPr>
-        <p:spPr>
-          <a:xfrm>
-            <a:off x="3714744" y="2845354"/>
-            <a:ext cx="1257075" cy="369332"/>
+        </p:nvPicPr>
+        <p:blipFill>
+          <a:blip r:embed="rId3"/>
+          <a:srcRect/>
+          <a:stretch>
+            <a:fillRect/>
+          </a:stretch>
+        </p:blipFill>
+        <p:spPr bwMode="auto">
+          <a:xfrm>
+            <a:off x="6715140" y="2643182"/>
+            <a:ext cx="1219200" cy="1219200"/>
           </a:xfrm>
           <a:prstGeom prst="rect">
             <a:avLst/>
           </a:prstGeom>
           <a:noFill/>
         </p:spPr>
-        <p:txBody>
-          <a:bodyPr wrap="none" rtlCol="0">
-            <a:spAutoFit/>
-          </a:bodyPr>
-          <a:lstStyle/>
-          <a:p>
-            <a:r>
-              <a:rPr lang="ko-KR" altLang="en-US" dirty="0" smtClean="0">
-                <a:latin typeface="에스코어 드림 7 ExtraBold" pitchFamily="34" charset="-127"/>
-                <a:ea typeface="에스코어 드림 7 ExtraBold" pitchFamily="34" charset="-127"/>
-              </a:rPr>
-              <a:t>경사 위로</a:t>
-            </a:r>
-            <a:r>
-              <a:rPr lang="en-US" altLang="ko-KR" dirty="0" smtClean="0">
-                <a:latin typeface="에스코어 드림 7 ExtraBold" pitchFamily="34" charset="-127"/>
-                <a:ea typeface="에스코어 드림 7 ExtraBold" pitchFamily="34" charset="-127"/>
-              </a:rPr>
-              <a:t>!</a:t>
-            </a:r>
-            <a:endParaRPr lang="ko-KR" altLang="en-US" dirty="0">
-              <a:latin typeface="에스코어 드림 7 ExtraBold" pitchFamily="34" charset="-127"/>
-              <a:ea typeface="에스코어 드림 7 ExtraBold" pitchFamily="34" charset="-127"/>
-            </a:endParaRPr>
-          </a:p>
-        </p:txBody>
-      </p:sp>
-      <p:sp>
-        <p:nvSpPr>
-          <p:cNvPr id="13" name="TextBox 12"/>
-          <p:cNvSpPr txBox="1"/>
+      </p:pic>
+      <p:pic>
+        <p:nvPicPr>
+          <p:cNvPr id="4" name="Picture 5" descr="C:\Users\user\PycharmProjects\working\GUI\Image\refresh.png"/>
+          <p:cNvPicPr>
+            <a:picLocks noChangeAspect="1" noChangeArrowheads="1"/>
+          </p:cNvPicPr>
           <p:nvPr/>
-        </p:nvSpPr>
-        <p:spPr>
-          <a:xfrm>
-            <a:off x="3714744" y="3643314"/>
-            <a:ext cx="713657" cy="369332"/>
+        </p:nvPicPr>
+        <p:blipFill>
+          <a:blip r:embed="rId4">
+            <a:lum bright="-10000"/>
+          </a:blip>
+          <a:srcRect/>
+          <a:stretch>
+            <a:fillRect/>
+          </a:stretch>
+        </p:blipFill>
+        <p:spPr bwMode="auto">
+          <a:xfrm>
+            <a:off x="5643570" y="3929066"/>
+            <a:ext cx="1800000" cy="1800000"/>
           </a:xfrm>
           <a:prstGeom prst="rect">
             <a:avLst/>
           </a:prstGeom>
           <a:noFill/>
         </p:spPr>
-        <p:txBody>
-          <a:bodyPr wrap="none" rtlCol="0">
-            <a:spAutoFit/>
-          </a:bodyPr>
-          <a:lstStyle/>
-          <a:p>
-            <a:r>
-              <a:rPr lang="ko-KR" altLang="en-US" dirty="0" smtClean="0">
-                <a:latin typeface="에스코어 드림 7 ExtraBold" pitchFamily="34" charset="-127"/>
-                <a:ea typeface="에스코어 드림 7 ExtraBold" pitchFamily="34" charset="-127"/>
-              </a:rPr>
-              <a:t>멈춰</a:t>
-            </a:r>
-            <a:r>
-              <a:rPr lang="en-US" altLang="ko-KR" dirty="0" smtClean="0">
-                <a:latin typeface="에스코어 드림 7 ExtraBold" pitchFamily="34" charset="-127"/>
-                <a:ea typeface="에스코어 드림 7 ExtraBold" pitchFamily="34" charset="-127"/>
-              </a:rPr>
-              <a:t>!</a:t>
-            </a:r>
-            <a:endParaRPr lang="ko-KR" altLang="en-US" dirty="0">
-              <a:latin typeface="에스코어 드림 7 ExtraBold" pitchFamily="34" charset="-127"/>
-              <a:ea typeface="에스코어 드림 7 ExtraBold" pitchFamily="34" charset="-127"/>
-            </a:endParaRPr>
-          </a:p>
-        </p:txBody>
-      </p:sp>
-      <p:sp>
-        <p:nvSpPr>
-          <p:cNvPr id="14" name="TextBox 13"/>
-          <p:cNvSpPr txBox="1"/>
+      </p:pic>
+      <p:cxnSp>
+        <p:nvCxnSpPr>
+          <p:cNvPr id="17" name="직선 화살표 연결선 16"/>
+          <p:cNvCxnSpPr/>
           <p:nvPr/>
-        </p:nvSpPr>
+        </p:nvCxnSpPr>
         <p:spPr>
           <a:xfrm>
-            <a:off x="3714744" y="4500570"/>
-            <a:ext cx="1487908" cy="369332"/>
+            <a:off x="3730496" y="2928934"/>
+            <a:ext cx="270000" cy="1588"/>
+          </a:xfrm>
+          <a:prstGeom prst="straightConnector1">
+            <a:avLst/>
+          </a:prstGeom>
+          <a:ln w="38100">
+            <a:solidFill>
+              <a:schemeClr val="tx1"/>
+            </a:solidFill>
+            <a:tailEnd type="arrow" w="lg" len="med"/>
+          </a:ln>
+        </p:spPr>
+        <p:style>
+          <a:lnRef idx="1">
+            <a:schemeClr val="accent1"/>
+          </a:lnRef>
+          <a:fillRef idx="0">
+            <a:schemeClr val="accent1"/>
+          </a:fillRef>
+          <a:effectRef idx="0">
+            <a:schemeClr val="accent1"/>
+          </a:effectRef>
+          <a:fontRef idx="minor">
+            <a:schemeClr val="tx1"/>
+          </a:fontRef>
+        </p:style>
+      </p:cxnSp>
+      <p:sp>
+        <p:nvSpPr>
+          <p:cNvPr id="18" name="아래쪽 화살표 17"/>
+          <p:cNvSpPr/>
+          <p:nvPr/>
+        </p:nvSpPr>
+        <p:spPr>
+          <a:xfrm flipV="1">
+            <a:off x="4214810" y="2643182"/>
+            <a:ext cx="428628" cy="500066"/>
+          </a:xfrm>
+          <a:prstGeom prst="downArrow">
+            <a:avLst/>
+          </a:prstGeom>
+          <a:solidFill>
+            <a:schemeClr val="tx1"/>
+          </a:solidFill>
+          <a:ln>
+            <a:noFill/>
+          </a:ln>
+        </p:spPr>
+        <p:style>
+          <a:lnRef idx="2">
+            <a:schemeClr val="accent1">
+              <a:shade val="50000"/>
+            </a:schemeClr>
+          </a:lnRef>
+          <a:fillRef idx="1">
+            <a:schemeClr val="accent1"/>
+          </a:fillRef>
+          <a:effectRef idx="0">
+            <a:schemeClr val="accent1"/>
+          </a:effectRef>
+          <a:fontRef idx="minor">
+            <a:schemeClr val="lt1"/>
+          </a:fontRef>
+        </p:style>
+        <p:txBody>
+          <a:bodyPr rtlCol="0" anchor="ctr"/>
+          <a:lstStyle/>
+          <a:p>
+            <a:pPr algn="ctr"/>
+            <a:endParaRPr lang="ko-KR" altLang="en-US"/>
+          </a:p>
+        </p:txBody>
+      </p:sp>
+      <p:pic>
+        <p:nvPicPr>
+          <p:cNvPr id="20" name="Picture 6"/>
+          <p:cNvPicPr>
+            <a:picLocks noChangeAspect="1" noChangeArrowheads="1"/>
+          </p:cNvPicPr>
+          <p:nvPr/>
+        </p:nvPicPr>
+        <p:blipFill>
+          <a:blip r:embed="rId2"/>
+          <a:srcRect l="39969" t="63981" r="41222"/>
+          <a:stretch>
+            <a:fillRect/>
+          </a:stretch>
+        </p:blipFill>
+        <p:spPr bwMode="auto">
+          <a:xfrm>
+            <a:off x="1928794" y="3400439"/>
+            <a:ext cx="642942" cy="814379"/>
           </a:xfrm>
           <a:prstGeom prst="rect">
             <a:avLst/>
           </a:prstGeom>
           <a:noFill/>
+          <a:ln w="9525">
+            <a:noFill/>
+            <a:miter lim="800000"/>
+            <a:headEnd/>
+            <a:tailEnd/>
+          </a:ln>
+          <a:effectLst/>
+        </p:spPr>
+      </p:pic>
+      <p:sp>
+        <p:nvSpPr>
+          <p:cNvPr id="21" name="덧셈 기호 20"/>
+          <p:cNvSpPr/>
+          <p:nvPr/>
+        </p:nvSpPr>
+        <p:spPr>
+          <a:xfrm>
+            <a:off x="2643174" y="3686191"/>
+            <a:ext cx="357190" cy="357190"/>
+          </a:xfrm>
+          <a:prstGeom prst="mathPlus">
+            <a:avLst/>
+          </a:prstGeom>
+        </p:spPr>
+        <p:style>
+          <a:lnRef idx="2">
+            <a:schemeClr val="dk1">
+              <a:shade val="50000"/>
+            </a:schemeClr>
+          </a:lnRef>
+          <a:fillRef idx="1">
+            <a:schemeClr val="dk1"/>
+          </a:fillRef>
+          <a:effectRef idx="0">
+            <a:schemeClr val="dk1"/>
+          </a:effectRef>
+          <a:fontRef idx="minor">
+            <a:schemeClr val="lt1"/>
+          </a:fontRef>
+        </p:style>
+        <p:txBody>
+          <a:bodyPr rtlCol="0" anchor="ctr"/>
+          <a:lstStyle/>
+          <a:p>
+            <a:pPr algn="ctr"/>
+            <a:endParaRPr lang="ko-KR" altLang="en-US"/>
+          </a:p>
+        </p:txBody>
+      </p:sp>
+      <p:cxnSp>
+        <p:nvCxnSpPr>
+          <p:cNvPr id="22" name="직선 화살표 연결선 21"/>
+          <p:cNvCxnSpPr/>
+          <p:nvPr/>
+        </p:nvCxnSpPr>
+        <p:spPr>
+          <a:xfrm>
+            <a:off x="3730496" y="3829067"/>
+            <a:ext cx="270000" cy="1588"/>
+          </a:xfrm>
+          <a:prstGeom prst="straightConnector1">
+            <a:avLst/>
+          </a:prstGeom>
+          <a:ln w="38100">
+            <a:solidFill>
+              <a:schemeClr val="tx1"/>
+            </a:solidFill>
+            <a:tailEnd type="arrow" w="lg" len="med"/>
+          </a:ln>
+        </p:spPr>
+        <p:style>
+          <a:lnRef idx="1">
+            <a:schemeClr val="accent1"/>
+          </a:lnRef>
+          <a:fillRef idx="0">
+            <a:schemeClr val="accent1"/>
+          </a:fillRef>
+          <a:effectRef idx="0">
+            <a:schemeClr val="accent1"/>
+          </a:effectRef>
+          <a:fontRef idx="minor">
+            <a:schemeClr val="tx1"/>
+          </a:fontRef>
+        </p:style>
+      </p:cxnSp>
+      <p:pic>
+        <p:nvPicPr>
+          <p:cNvPr id="26" name="Picture 6"/>
+          <p:cNvPicPr>
+            <a:picLocks noChangeAspect="1" noChangeArrowheads="1"/>
+          </p:cNvPicPr>
+          <p:nvPr/>
+        </p:nvPicPr>
+        <p:blipFill>
+          <a:blip r:embed="rId2"/>
+          <a:srcRect l="39969" t="63981" r="41222"/>
+          <a:stretch>
+            <a:fillRect/>
+          </a:stretch>
+        </p:blipFill>
+        <p:spPr bwMode="auto">
+          <a:xfrm>
+            <a:off x="1928794" y="4257695"/>
+            <a:ext cx="642942" cy="814379"/>
+          </a:xfrm>
+          <a:prstGeom prst="rect">
+            <a:avLst/>
+          </a:prstGeom>
+          <a:noFill/>
+          <a:ln w="9525">
+            <a:noFill/>
+            <a:miter lim="800000"/>
+            <a:headEnd/>
+            <a:tailEnd/>
+          </a:ln>
+          <a:effectLst/>
+        </p:spPr>
+      </p:pic>
+      <p:sp>
+        <p:nvSpPr>
+          <p:cNvPr id="27" name="덧셈 기호 26"/>
+          <p:cNvSpPr/>
+          <p:nvPr/>
+        </p:nvSpPr>
+        <p:spPr>
+          <a:xfrm>
+            <a:off x="2643174" y="4543447"/>
+            <a:ext cx="357190" cy="357190"/>
+          </a:xfrm>
+          <a:prstGeom prst="mathPlus">
+            <a:avLst/>
+          </a:prstGeom>
+        </p:spPr>
+        <p:style>
+          <a:lnRef idx="2">
+            <a:schemeClr val="dk1">
+              <a:shade val="50000"/>
+            </a:schemeClr>
+          </a:lnRef>
+          <a:fillRef idx="1">
+            <a:schemeClr val="dk1"/>
+          </a:fillRef>
+          <a:effectRef idx="0">
+            <a:schemeClr val="dk1"/>
+          </a:effectRef>
+          <a:fontRef idx="minor">
+            <a:schemeClr val="lt1"/>
+          </a:fontRef>
+        </p:style>
+        <p:txBody>
+          <a:bodyPr rtlCol="0" anchor="ctr"/>
+          <a:lstStyle/>
+          <a:p>
+            <a:pPr algn="ctr"/>
+            <a:endParaRPr lang="ko-KR" altLang="en-US"/>
+          </a:p>
+        </p:txBody>
+      </p:sp>
+      <p:cxnSp>
+        <p:nvCxnSpPr>
+          <p:cNvPr id="28" name="직선 화살표 연결선 27"/>
+          <p:cNvCxnSpPr/>
+          <p:nvPr/>
+        </p:nvCxnSpPr>
+        <p:spPr>
+          <a:xfrm>
+            <a:off x="3730496" y="4686323"/>
+            <a:ext cx="270000" cy="1588"/>
+          </a:xfrm>
+          <a:prstGeom prst="straightConnector1">
+            <a:avLst/>
+          </a:prstGeom>
+          <a:ln w="38100">
+            <a:solidFill>
+              <a:schemeClr val="tx1"/>
+            </a:solidFill>
+            <a:tailEnd type="arrow" w="lg" len="med"/>
+          </a:ln>
+        </p:spPr>
+        <p:style>
+          <a:lnRef idx="1">
+            <a:schemeClr val="accent1"/>
+          </a:lnRef>
+          <a:fillRef idx="0">
+            <a:schemeClr val="accent1"/>
+          </a:fillRef>
+          <a:effectRef idx="0">
+            <a:schemeClr val="accent1"/>
+          </a:effectRef>
+          <a:fontRef idx="minor">
+            <a:schemeClr val="tx1"/>
+          </a:fontRef>
+        </p:style>
+      </p:cxnSp>
+      <p:sp>
+        <p:nvSpPr>
+          <p:cNvPr id="29" name="직사각형 28"/>
+          <p:cNvSpPr/>
+          <p:nvPr/>
+        </p:nvSpPr>
+        <p:spPr>
+          <a:xfrm>
+            <a:off x="4286248" y="3714752"/>
+            <a:ext cx="285752" cy="285752"/>
+          </a:xfrm>
+          <a:prstGeom prst="rect">
+            <a:avLst/>
+          </a:prstGeom>
+          <a:solidFill>
+            <a:schemeClr val="tx1"/>
+          </a:solidFill>
+          <a:ln>
+            <a:noFill/>
+          </a:ln>
+        </p:spPr>
+        <p:style>
+          <a:lnRef idx="2">
+            <a:schemeClr val="accent1">
+              <a:shade val="50000"/>
+            </a:schemeClr>
+          </a:lnRef>
+          <a:fillRef idx="1">
+            <a:schemeClr val="accent1"/>
+          </a:fillRef>
+          <a:effectRef idx="0">
+            <a:schemeClr val="accent1"/>
+          </a:effectRef>
+          <a:fontRef idx="minor">
+            <a:schemeClr val="lt1"/>
+          </a:fontRef>
+        </p:style>
+        <p:txBody>
+          <a:bodyPr rtlCol="0" anchor="ctr"/>
+          <a:lstStyle/>
+          <a:p>
+            <a:pPr algn="ctr"/>
+            <a:endParaRPr lang="ko-KR" altLang="en-US"/>
+          </a:p>
+        </p:txBody>
+      </p:sp>
+      <p:sp>
+        <p:nvSpPr>
+          <p:cNvPr id="30" name="아래쪽 화살표 29"/>
+          <p:cNvSpPr/>
+          <p:nvPr/>
+        </p:nvSpPr>
+        <p:spPr>
+          <a:xfrm>
+            <a:off x="4214810" y="4500570"/>
+            <a:ext cx="428628" cy="500066"/>
+          </a:xfrm>
+          <a:prstGeom prst="downArrow">
+            <a:avLst/>
+          </a:prstGeom>
+          <a:solidFill>
+            <a:schemeClr val="tx1"/>
+          </a:solidFill>
+          <a:ln>
+            <a:noFill/>
+          </a:ln>
+        </p:spPr>
+        <p:style>
+          <a:lnRef idx="2">
+            <a:schemeClr val="accent1">
+              <a:shade val="50000"/>
+            </a:schemeClr>
+          </a:lnRef>
+          <a:fillRef idx="1">
+            <a:schemeClr val="accent1"/>
+          </a:fillRef>
+          <a:effectRef idx="0">
+            <a:schemeClr val="accent1"/>
+          </a:effectRef>
+          <a:fontRef idx="minor">
+            <a:schemeClr val="lt1"/>
+          </a:fontRef>
+        </p:style>
+        <p:txBody>
+          <a:bodyPr rtlCol="0" anchor="ctr"/>
+          <a:lstStyle/>
+          <a:p>
+            <a:pPr algn="ctr"/>
+            <a:endParaRPr lang="ko-KR" altLang="en-US"/>
+          </a:p>
+        </p:txBody>
+      </p:sp>
+    </p:spTree>
+  </p:cSld>
+  <p:clrMapOvr>
+    <a:masterClrMapping/>
+  </p:clrMapOvr>
+</p:sld>
+</file>
+
+<file path=ppt/slides/slide5.xml><?xml version="1.0" encoding="utf-8"?>
+<p:sld xmlns:a="http://schemas.openxmlformats.org/drawingml/2006/main" xmlns:r="http://schemas.openxmlformats.org/officeDocument/2006/relationships" xmlns:p="http://schemas.openxmlformats.org/presentationml/2006/main">
+  <p:cSld>
+    <p:spTree>
+      <p:nvGrpSpPr>
+        <p:cNvPr id="1" name=""/>
+        <p:cNvGrpSpPr/>
+        <p:nvPr/>
+      </p:nvGrpSpPr>
+      <p:grpSpPr>
+        <a:xfrm>
+          <a:off x="0" y="0"/>
+          <a:ext cx="0" cy="0"/>
+          <a:chOff x="0" y="0"/>
+          <a:chExt cx="0" cy="0"/>
+        </a:xfrm>
+      </p:grpSpPr>
+      <p:sp>
+        <p:nvSpPr>
+          <p:cNvPr id="2" name="제목 1"/>
+          <p:cNvSpPr>
+            <a:spLocks noGrp="1"/>
+          </p:cNvSpPr>
+          <p:nvPr>
+            <p:ph type="title"/>
+          </p:nvPr>
+        </p:nvSpPr>
+        <p:spPr/>
+        <p:txBody>
+          <a:bodyPr/>
+          <a:lstStyle/>
+          <a:p>
+            <a:endParaRPr lang="ko-KR" altLang="en-US"/>
+          </a:p>
+        </p:txBody>
+      </p:sp>
+      <p:sp>
+        <p:nvSpPr>
+          <p:cNvPr id="3" name="내용 개체 틀 2"/>
+          <p:cNvSpPr>
+            <a:spLocks noGrp="1"/>
+          </p:cNvSpPr>
+          <p:nvPr>
+            <p:ph idx="1"/>
+          </p:nvPr>
+        </p:nvSpPr>
+        <p:spPr/>
+        <p:txBody>
+          <a:bodyPr/>
+          <a:lstStyle/>
+          <a:p>
+            <a:endParaRPr lang="ko-KR" altLang="en-US"/>
+          </a:p>
+        </p:txBody>
+      </p:sp>
+    </p:spTree>
+  </p:cSld>
+  <p:clrMapOvr>
+    <a:masterClrMapping/>
+  </p:clrMapOvr>
+</p:sld>
+</file>
+
+<file path=ppt/slides/slide6.xml><?xml version="1.0" encoding="utf-8"?>
+<p:sld xmlns:a="http://schemas.openxmlformats.org/drawingml/2006/main" xmlns:r="http://schemas.openxmlformats.org/officeDocument/2006/relationships" xmlns:p="http://schemas.openxmlformats.org/presentationml/2006/main">
+  <p:cSld>
+    <p:spTree>
+      <p:nvGrpSpPr>
+        <p:cNvPr id="1" name=""/>
+        <p:cNvGrpSpPr/>
+        <p:nvPr/>
+      </p:nvGrpSpPr>
+      <p:grpSpPr>
+        <a:xfrm>
+          <a:off x="0" y="0"/>
+          <a:ext cx="0" cy="0"/>
+          <a:chOff x="0" y="0"/>
+          <a:chExt cx="0" cy="0"/>
+        </a:xfrm>
+      </p:grpSpPr>
+      <p:pic>
+        <p:nvPicPr>
+          <p:cNvPr id="1026" name="Picture 2" descr="C:\Users\user\Downloads\SeekPng.com_hand-touch-png_3987911.png"/>
+          <p:cNvPicPr>
+            <a:picLocks noChangeAspect="1" noChangeArrowheads="1"/>
+          </p:cNvPicPr>
+          <p:nvPr/>
+        </p:nvPicPr>
+        <p:blipFill>
+          <a:blip r:embed="rId2" cstate="print"/>
+          <a:srcRect/>
+          <a:stretch>
+            <a:fillRect/>
+          </a:stretch>
+        </p:blipFill>
+        <p:spPr bwMode="auto">
+          <a:xfrm>
+            <a:off x="2714612" y="2571744"/>
+            <a:ext cx="691491" cy="1214446"/>
+          </a:xfrm>
+          <a:prstGeom prst="rect">
+            <a:avLst/>
+          </a:prstGeom>
+          <a:noFill/>
+        </p:spPr>
+      </p:pic>
+      <p:sp>
+        <p:nvSpPr>
+          <p:cNvPr id="5" name="TextBox 4"/>
+          <p:cNvSpPr txBox="1"/>
+          <p:nvPr/>
+        </p:nvSpPr>
+        <p:spPr>
+          <a:xfrm>
+            <a:off x="3620417" y="3181649"/>
+            <a:ext cx="3204723" cy="461665"/>
+          </a:xfrm>
+          <a:prstGeom prst="rect">
+            <a:avLst/>
+          </a:prstGeom>
+          <a:noFill/>
         </p:spPr>
         <p:txBody>
           <a:bodyPr wrap="none" rtlCol="0">
@@ -3897,23 +4506,693 @@
           <a:lstStyle/>
           <a:p>
             <a:r>
+              <a:rPr lang="ko-KR" altLang="en-US" sz="2400" dirty="0" smtClean="0">
+                <a:latin typeface="에스코어 드림 8 Heavy" pitchFamily="34" charset="-127"/>
+                <a:ea typeface="에스코어 드림 8 Heavy" pitchFamily="34" charset="-127"/>
+              </a:rPr>
+              <a:t>터치 제어 모드 실행 중</a:t>
+            </a:r>
+            <a:endParaRPr lang="ko-KR" altLang="en-US" sz="2400" dirty="0">
+              <a:latin typeface="에스코어 드림 8 Heavy" pitchFamily="34" charset="-127"/>
+              <a:ea typeface="에스코어 드림 8 Heavy" pitchFamily="34" charset="-127"/>
+            </a:endParaRPr>
+          </a:p>
+        </p:txBody>
+      </p:sp>
+    </p:spTree>
+  </p:cSld>
+  <p:clrMapOvr>
+    <a:masterClrMapping/>
+  </p:clrMapOvr>
+</p:sld>
+</file>
+
+<file path=ppt/slides/slide7.xml><?xml version="1.0" encoding="utf-8"?>
+<p:sld xmlns:a="http://schemas.openxmlformats.org/drawingml/2006/main" xmlns:r="http://schemas.openxmlformats.org/officeDocument/2006/relationships" xmlns:p="http://schemas.openxmlformats.org/presentationml/2006/main">
+  <p:cSld>
+    <p:spTree>
+      <p:nvGrpSpPr>
+        <p:cNvPr id="1" name=""/>
+        <p:cNvGrpSpPr/>
+        <p:nvPr/>
+      </p:nvGrpSpPr>
+      <p:grpSpPr>
+        <a:xfrm>
+          <a:off x="0" y="0"/>
+          <a:ext cx="0" cy="0"/>
+          <a:chOff x="0" y="0"/>
+          <a:chExt cx="0" cy="0"/>
+        </a:xfrm>
+      </p:grpSpPr>
+      <p:sp>
+        <p:nvSpPr>
+          <p:cNvPr id="4" name="TextBox 3"/>
+          <p:cNvSpPr txBox="1"/>
+          <p:nvPr/>
+        </p:nvSpPr>
+        <p:spPr>
+          <a:xfrm>
+            <a:off x="1500166" y="1571612"/>
+            <a:ext cx="6256841" cy="369332"/>
+          </a:xfrm>
+          <a:prstGeom prst="rect">
+            <a:avLst/>
+          </a:prstGeom>
+          <a:noFill/>
+        </p:spPr>
+        <p:txBody>
+          <a:bodyPr wrap="none" rtlCol="0">
+            <a:spAutoFit/>
+          </a:bodyPr>
+          <a:lstStyle/>
+          <a:p>
+            <a:r>
               <a:rPr lang="ko-KR" altLang="en-US" dirty="0" smtClean="0">
-                <a:latin typeface="에스코어 드림 7 ExtraBold" pitchFamily="34" charset="-127"/>
-                <a:ea typeface="에스코어 드림 7 ExtraBold" pitchFamily="34" charset="-127"/>
+                <a:latin typeface="에스코어 드림 5 Medium" pitchFamily="34" charset="-127"/>
+                <a:ea typeface="에스코어 드림 5 Medium" pitchFamily="34" charset="-127"/>
               </a:rPr>
-              <a:t>경사 아래로</a:t>
+              <a:t>제스처를 이용해 침대 경사를 조절할 수 있는 프로그램입니다</a:t>
             </a:r>
             <a:r>
               <a:rPr lang="en-US" altLang="ko-KR" dirty="0" smtClean="0">
-                <a:latin typeface="에스코어 드림 7 ExtraBold" pitchFamily="34" charset="-127"/>
-                <a:ea typeface="에스코어 드림 7 ExtraBold" pitchFamily="34" charset="-127"/>
+                <a:latin typeface="에스코어 드림 5 Medium" pitchFamily="34" charset="-127"/>
+                <a:ea typeface="에스코어 드림 5 Medium" pitchFamily="34" charset="-127"/>
               </a:rPr>
-              <a:t>!</a:t>
+              <a:t>.</a:t>
             </a:r>
             <a:endParaRPr lang="ko-KR" altLang="en-US" dirty="0">
-              <a:latin typeface="에스코어 드림 7 ExtraBold" pitchFamily="34" charset="-127"/>
-              <a:ea typeface="에스코어 드림 7 ExtraBold" pitchFamily="34" charset="-127"/>
+              <a:latin typeface="에스코어 드림 5 Medium" pitchFamily="34" charset="-127"/>
+              <a:ea typeface="에스코어 드림 5 Medium" pitchFamily="34" charset="-127"/>
             </a:endParaRPr>
+          </a:p>
+        </p:txBody>
+      </p:sp>
+      <p:sp>
+        <p:nvSpPr>
+          <p:cNvPr id="5" name="TextBox 4"/>
+          <p:cNvSpPr txBox="1"/>
+          <p:nvPr/>
+        </p:nvSpPr>
+        <p:spPr>
+          <a:xfrm>
+            <a:off x="1500166" y="1988098"/>
+            <a:ext cx="5747086" cy="369332"/>
+          </a:xfrm>
+          <a:prstGeom prst="rect">
+            <a:avLst/>
+          </a:prstGeom>
+          <a:noFill/>
+        </p:spPr>
+        <p:txBody>
+          <a:bodyPr wrap="none" rtlCol="0">
+            <a:spAutoFit/>
+          </a:bodyPr>
+          <a:lstStyle/>
+          <a:p>
+            <a:r>
+              <a:rPr lang="ko-KR" altLang="en-US" dirty="0" smtClean="0">
+                <a:latin typeface="에스코어 드림 5 Medium" pitchFamily="34" charset="-127"/>
+                <a:ea typeface="에스코어 드림 5 Medium" pitchFamily="34" charset="-127"/>
+              </a:rPr>
+              <a:t>다음과 같은 제스처를 취하면 침대의 경사가 조절됩니다</a:t>
+            </a:r>
+            <a:r>
+              <a:rPr lang="en-US" altLang="ko-KR" dirty="0" smtClean="0">
+                <a:latin typeface="에스코어 드림 5 Medium" pitchFamily="34" charset="-127"/>
+                <a:ea typeface="에스코어 드림 5 Medium" pitchFamily="34" charset="-127"/>
+              </a:rPr>
+              <a:t>.</a:t>
+            </a:r>
+            <a:endParaRPr lang="ko-KR" altLang="en-US" dirty="0">
+              <a:latin typeface="에스코어 드림 5 Medium" pitchFamily="34" charset="-127"/>
+              <a:ea typeface="에스코어 드림 5 Medium" pitchFamily="34" charset="-127"/>
+            </a:endParaRPr>
+          </a:p>
+        </p:txBody>
+      </p:sp>
+      <p:pic>
+        <p:nvPicPr>
+          <p:cNvPr id="6" name="Picture 3"/>
+          <p:cNvPicPr>
+            <a:picLocks noChangeAspect="1" noChangeArrowheads="1"/>
+          </p:cNvPicPr>
+          <p:nvPr/>
+        </p:nvPicPr>
+        <p:blipFill>
+          <a:blip r:embed="rId2"/>
+          <a:srcRect l="21160" r="62382" b="68009"/>
+          <a:stretch>
+            <a:fillRect/>
+          </a:stretch>
+        </p:blipFill>
+        <p:spPr bwMode="auto">
+          <a:xfrm rot="10800000" flipH="1">
+            <a:off x="2714612" y="4429132"/>
+            <a:ext cx="500066" cy="642942"/>
+          </a:xfrm>
+          <a:prstGeom prst="rect">
+            <a:avLst/>
+          </a:prstGeom>
+          <a:noFill/>
+          <a:ln w="9525">
+            <a:noFill/>
+            <a:miter lim="800000"/>
+            <a:headEnd/>
+            <a:tailEnd/>
+          </a:ln>
+          <a:effectLst/>
+        </p:spPr>
+      </p:pic>
+      <p:pic>
+        <p:nvPicPr>
+          <p:cNvPr id="7" name="Picture 5"/>
+          <p:cNvPicPr>
+            <a:picLocks noGrp="1" noChangeAspect="1" noChangeArrowheads="1"/>
+          </p:cNvPicPr>
+          <p:nvPr>
+            <p:ph idx="1"/>
+          </p:nvPr>
+        </p:nvPicPr>
+        <p:blipFill>
+          <a:blip r:embed="rId2"/>
+          <a:srcRect l="39969" r="41222" b="68010"/>
+          <a:stretch>
+            <a:fillRect/>
+          </a:stretch>
+        </p:blipFill>
+        <p:spPr bwMode="auto">
+          <a:xfrm flipH="1">
+            <a:off x="2714612" y="2600305"/>
+            <a:ext cx="571504" cy="642923"/>
+          </a:xfrm>
+          <a:prstGeom prst="rect">
+            <a:avLst/>
+          </a:prstGeom>
+          <a:noFill/>
+          <a:ln w="9525">
+            <a:noFill/>
+            <a:miter lim="800000"/>
+            <a:headEnd/>
+            <a:tailEnd/>
+          </a:ln>
+          <a:effectLst/>
+        </p:spPr>
+      </p:pic>
+      <p:pic>
+        <p:nvPicPr>
+          <p:cNvPr id="8" name="Picture 6"/>
+          <p:cNvPicPr>
+            <a:picLocks noChangeAspect="1" noChangeArrowheads="1"/>
+          </p:cNvPicPr>
+          <p:nvPr/>
+        </p:nvPicPr>
+        <p:blipFill>
+          <a:blip r:embed="rId2"/>
+          <a:srcRect l="39969" t="63981" r="41222"/>
+          <a:stretch>
+            <a:fillRect/>
+          </a:stretch>
+        </p:blipFill>
+        <p:spPr bwMode="auto">
+          <a:xfrm>
+            <a:off x="1571604" y="2500306"/>
+            <a:ext cx="642942" cy="814379"/>
+          </a:xfrm>
+          <a:prstGeom prst="rect">
+            <a:avLst/>
+          </a:prstGeom>
+          <a:noFill/>
+          <a:ln w="9525">
+            <a:noFill/>
+            <a:miter lim="800000"/>
+            <a:headEnd/>
+            <a:tailEnd/>
+          </a:ln>
+          <a:effectLst/>
+        </p:spPr>
+      </p:pic>
+      <p:pic>
+        <p:nvPicPr>
+          <p:cNvPr id="9" name="Picture 6"/>
+          <p:cNvPicPr>
+            <a:picLocks noChangeAspect="1" noChangeArrowheads="1"/>
+          </p:cNvPicPr>
+          <p:nvPr/>
+        </p:nvPicPr>
+        <p:blipFill>
+          <a:blip r:embed="rId2"/>
+          <a:srcRect l="39969" t="31990" r="41222" b="36019"/>
+          <a:stretch>
+            <a:fillRect/>
+          </a:stretch>
+        </p:blipFill>
+        <p:spPr bwMode="auto">
+          <a:xfrm>
+            <a:off x="2714612" y="3500438"/>
+            <a:ext cx="571504" cy="642942"/>
+          </a:xfrm>
+          <a:prstGeom prst="rect">
+            <a:avLst/>
+          </a:prstGeom>
+          <a:noFill/>
+          <a:ln w="9525">
+            <a:noFill/>
+            <a:miter lim="800000"/>
+            <a:headEnd/>
+            <a:tailEnd/>
+          </a:ln>
+          <a:effectLst/>
+        </p:spPr>
+      </p:pic>
+      <p:sp>
+        <p:nvSpPr>
+          <p:cNvPr id="10" name="덧셈 기호 9"/>
+          <p:cNvSpPr/>
+          <p:nvPr/>
+        </p:nvSpPr>
+        <p:spPr>
+          <a:xfrm>
+            <a:off x="2285984" y="2786058"/>
+            <a:ext cx="357190" cy="357190"/>
+          </a:xfrm>
+          <a:prstGeom prst="mathPlus">
+            <a:avLst/>
+          </a:prstGeom>
+        </p:spPr>
+        <p:style>
+          <a:lnRef idx="2">
+            <a:schemeClr val="dk1">
+              <a:shade val="50000"/>
+            </a:schemeClr>
+          </a:lnRef>
+          <a:fillRef idx="1">
+            <a:schemeClr val="dk1"/>
+          </a:fillRef>
+          <a:effectRef idx="0">
+            <a:schemeClr val="dk1"/>
+          </a:effectRef>
+          <a:fontRef idx="minor">
+            <a:schemeClr val="lt1"/>
+          </a:fontRef>
+        </p:style>
+        <p:txBody>
+          <a:bodyPr rtlCol="0" anchor="ctr"/>
+          <a:lstStyle/>
+          <a:p>
+            <a:pPr algn="ctr"/>
+            <a:endParaRPr lang="ko-KR" altLang="en-US"/>
+          </a:p>
+        </p:txBody>
+      </p:sp>
+      <p:cxnSp>
+        <p:nvCxnSpPr>
+          <p:cNvPr id="11" name="직선 화살표 연결선 10"/>
+          <p:cNvCxnSpPr/>
+          <p:nvPr/>
+        </p:nvCxnSpPr>
+        <p:spPr>
+          <a:xfrm>
+            <a:off x="3373306" y="2928934"/>
+            <a:ext cx="270000" cy="1588"/>
+          </a:xfrm>
+          <a:prstGeom prst="straightConnector1">
+            <a:avLst/>
+          </a:prstGeom>
+          <a:ln w="38100">
+            <a:solidFill>
+              <a:schemeClr val="tx1"/>
+            </a:solidFill>
+            <a:tailEnd type="arrow" w="lg" len="med"/>
+          </a:ln>
+        </p:spPr>
+        <p:style>
+          <a:lnRef idx="1">
+            <a:schemeClr val="accent1"/>
+          </a:lnRef>
+          <a:fillRef idx="0">
+            <a:schemeClr val="accent1"/>
+          </a:fillRef>
+          <a:effectRef idx="0">
+            <a:schemeClr val="accent1"/>
+          </a:effectRef>
+          <a:fontRef idx="minor">
+            <a:schemeClr val="tx1"/>
+          </a:fontRef>
+        </p:style>
+      </p:cxnSp>
+      <p:sp>
+        <p:nvSpPr>
+          <p:cNvPr id="12" name="아래쪽 화살표 11"/>
+          <p:cNvSpPr/>
+          <p:nvPr/>
+        </p:nvSpPr>
+        <p:spPr>
+          <a:xfrm flipV="1">
+            <a:off x="3857620" y="2643182"/>
+            <a:ext cx="428628" cy="500066"/>
+          </a:xfrm>
+          <a:prstGeom prst="downArrow">
+            <a:avLst/>
+          </a:prstGeom>
+          <a:solidFill>
+            <a:schemeClr val="tx1"/>
+          </a:solidFill>
+          <a:ln>
+            <a:noFill/>
+          </a:ln>
+        </p:spPr>
+        <p:style>
+          <a:lnRef idx="2">
+            <a:schemeClr val="accent1">
+              <a:shade val="50000"/>
+            </a:schemeClr>
+          </a:lnRef>
+          <a:fillRef idx="1">
+            <a:schemeClr val="accent1"/>
+          </a:fillRef>
+          <a:effectRef idx="0">
+            <a:schemeClr val="accent1"/>
+          </a:effectRef>
+          <a:fontRef idx="minor">
+            <a:schemeClr val="lt1"/>
+          </a:fontRef>
+        </p:style>
+        <p:txBody>
+          <a:bodyPr rtlCol="0" anchor="ctr"/>
+          <a:lstStyle/>
+          <a:p>
+            <a:pPr algn="ctr"/>
+            <a:endParaRPr lang="ko-KR" altLang="en-US"/>
+          </a:p>
+        </p:txBody>
+      </p:sp>
+      <p:pic>
+        <p:nvPicPr>
+          <p:cNvPr id="13" name="Picture 6"/>
+          <p:cNvPicPr>
+            <a:picLocks noChangeAspect="1" noChangeArrowheads="1"/>
+          </p:cNvPicPr>
+          <p:nvPr/>
+        </p:nvPicPr>
+        <p:blipFill>
+          <a:blip r:embed="rId2"/>
+          <a:srcRect l="39969" t="63981" r="41222"/>
+          <a:stretch>
+            <a:fillRect/>
+          </a:stretch>
+        </p:blipFill>
+        <p:spPr bwMode="auto">
+          <a:xfrm>
+            <a:off x="1571604" y="3400439"/>
+            <a:ext cx="642942" cy="814379"/>
+          </a:xfrm>
+          <a:prstGeom prst="rect">
+            <a:avLst/>
+          </a:prstGeom>
+          <a:noFill/>
+          <a:ln w="9525">
+            <a:noFill/>
+            <a:miter lim="800000"/>
+            <a:headEnd/>
+            <a:tailEnd/>
+          </a:ln>
+          <a:effectLst/>
+        </p:spPr>
+      </p:pic>
+      <p:sp>
+        <p:nvSpPr>
+          <p:cNvPr id="14" name="덧셈 기호 13"/>
+          <p:cNvSpPr/>
+          <p:nvPr/>
+        </p:nvSpPr>
+        <p:spPr>
+          <a:xfrm>
+            <a:off x="2285984" y="3686191"/>
+            <a:ext cx="357190" cy="357190"/>
+          </a:xfrm>
+          <a:prstGeom prst="mathPlus">
+            <a:avLst/>
+          </a:prstGeom>
+        </p:spPr>
+        <p:style>
+          <a:lnRef idx="2">
+            <a:schemeClr val="dk1">
+              <a:shade val="50000"/>
+            </a:schemeClr>
+          </a:lnRef>
+          <a:fillRef idx="1">
+            <a:schemeClr val="dk1"/>
+          </a:fillRef>
+          <a:effectRef idx="0">
+            <a:schemeClr val="dk1"/>
+          </a:effectRef>
+          <a:fontRef idx="minor">
+            <a:schemeClr val="lt1"/>
+          </a:fontRef>
+        </p:style>
+        <p:txBody>
+          <a:bodyPr rtlCol="0" anchor="ctr"/>
+          <a:lstStyle/>
+          <a:p>
+            <a:pPr algn="ctr"/>
+            <a:endParaRPr lang="ko-KR" altLang="en-US"/>
+          </a:p>
+        </p:txBody>
+      </p:sp>
+      <p:cxnSp>
+        <p:nvCxnSpPr>
+          <p:cNvPr id="15" name="직선 화살표 연결선 14"/>
+          <p:cNvCxnSpPr/>
+          <p:nvPr/>
+        </p:nvCxnSpPr>
+        <p:spPr>
+          <a:xfrm>
+            <a:off x="3373306" y="3829067"/>
+            <a:ext cx="270000" cy="1588"/>
+          </a:xfrm>
+          <a:prstGeom prst="straightConnector1">
+            <a:avLst/>
+          </a:prstGeom>
+          <a:ln w="38100">
+            <a:solidFill>
+              <a:schemeClr val="tx1"/>
+            </a:solidFill>
+            <a:tailEnd type="arrow" w="lg" len="med"/>
+          </a:ln>
+        </p:spPr>
+        <p:style>
+          <a:lnRef idx="1">
+            <a:schemeClr val="accent1"/>
+          </a:lnRef>
+          <a:fillRef idx="0">
+            <a:schemeClr val="accent1"/>
+          </a:fillRef>
+          <a:effectRef idx="0">
+            <a:schemeClr val="accent1"/>
+          </a:effectRef>
+          <a:fontRef idx="minor">
+            <a:schemeClr val="tx1"/>
+          </a:fontRef>
+        </p:style>
+      </p:cxnSp>
+      <p:pic>
+        <p:nvPicPr>
+          <p:cNvPr id="16" name="Picture 6"/>
+          <p:cNvPicPr>
+            <a:picLocks noChangeAspect="1" noChangeArrowheads="1"/>
+          </p:cNvPicPr>
+          <p:nvPr/>
+        </p:nvPicPr>
+        <p:blipFill>
+          <a:blip r:embed="rId2"/>
+          <a:srcRect l="39969" t="63981" r="41222"/>
+          <a:stretch>
+            <a:fillRect/>
+          </a:stretch>
+        </p:blipFill>
+        <p:spPr bwMode="auto">
+          <a:xfrm>
+            <a:off x="1571604" y="4257695"/>
+            <a:ext cx="642942" cy="814379"/>
+          </a:xfrm>
+          <a:prstGeom prst="rect">
+            <a:avLst/>
+          </a:prstGeom>
+          <a:noFill/>
+          <a:ln w="9525">
+            <a:noFill/>
+            <a:miter lim="800000"/>
+            <a:headEnd/>
+            <a:tailEnd/>
+          </a:ln>
+          <a:effectLst/>
+        </p:spPr>
+      </p:pic>
+      <p:sp>
+        <p:nvSpPr>
+          <p:cNvPr id="17" name="덧셈 기호 16"/>
+          <p:cNvSpPr/>
+          <p:nvPr/>
+        </p:nvSpPr>
+        <p:spPr>
+          <a:xfrm>
+            <a:off x="2285984" y="4543447"/>
+            <a:ext cx="357190" cy="357190"/>
+          </a:xfrm>
+          <a:prstGeom prst="mathPlus">
+            <a:avLst/>
+          </a:prstGeom>
+        </p:spPr>
+        <p:style>
+          <a:lnRef idx="2">
+            <a:schemeClr val="dk1">
+              <a:shade val="50000"/>
+            </a:schemeClr>
+          </a:lnRef>
+          <a:fillRef idx="1">
+            <a:schemeClr val="dk1"/>
+          </a:fillRef>
+          <a:effectRef idx="0">
+            <a:schemeClr val="dk1"/>
+          </a:effectRef>
+          <a:fontRef idx="minor">
+            <a:schemeClr val="lt1"/>
+          </a:fontRef>
+        </p:style>
+        <p:txBody>
+          <a:bodyPr rtlCol="0" anchor="ctr"/>
+          <a:lstStyle/>
+          <a:p>
+            <a:pPr algn="ctr"/>
+            <a:endParaRPr lang="ko-KR" altLang="en-US"/>
+          </a:p>
+        </p:txBody>
+      </p:sp>
+      <p:cxnSp>
+        <p:nvCxnSpPr>
+          <p:cNvPr id="18" name="직선 화살표 연결선 17"/>
+          <p:cNvCxnSpPr/>
+          <p:nvPr/>
+        </p:nvCxnSpPr>
+        <p:spPr>
+          <a:xfrm>
+            <a:off x="3373306" y="4686323"/>
+            <a:ext cx="270000" cy="1588"/>
+          </a:xfrm>
+          <a:prstGeom prst="straightConnector1">
+            <a:avLst/>
+          </a:prstGeom>
+          <a:ln w="38100">
+            <a:solidFill>
+              <a:schemeClr val="tx1"/>
+            </a:solidFill>
+            <a:tailEnd type="arrow" w="lg" len="med"/>
+          </a:ln>
+        </p:spPr>
+        <p:style>
+          <a:lnRef idx="1">
+            <a:schemeClr val="accent1"/>
+          </a:lnRef>
+          <a:fillRef idx="0">
+            <a:schemeClr val="accent1"/>
+          </a:fillRef>
+          <a:effectRef idx="0">
+            <a:schemeClr val="accent1"/>
+          </a:effectRef>
+          <a:fontRef idx="minor">
+            <a:schemeClr val="tx1"/>
+          </a:fontRef>
+        </p:style>
+      </p:cxnSp>
+      <p:sp>
+        <p:nvSpPr>
+          <p:cNvPr id="19" name="직사각형 18"/>
+          <p:cNvSpPr/>
+          <p:nvPr/>
+        </p:nvSpPr>
+        <p:spPr>
+          <a:xfrm>
+            <a:off x="3929058" y="3714752"/>
+            <a:ext cx="285752" cy="285752"/>
+          </a:xfrm>
+          <a:prstGeom prst="rect">
+            <a:avLst/>
+          </a:prstGeom>
+          <a:solidFill>
+            <a:schemeClr val="tx1"/>
+          </a:solidFill>
+          <a:ln>
+            <a:noFill/>
+          </a:ln>
+        </p:spPr>
+        <p:style>
+          <a:lnRef idx="2">
+            <a:schemeClr val="accent1">
+              <a:shade val="50000"/>
+            </a:schemeClr>
+          </a:lnRef>
+          <a:fillRef idx="1">
+            <a:schemeClr val="accent1"/>
+          </a:fillRef>
+          <a:effectRef idx="0">
+            <a:schemeClr val="accent1"/>
+          </a:effectRef>
+          <a:fontRef idx="minor">
+            <a:schemeClr val="lt1"/>
+          </a:fontRef>
+        </p:style>
+        <p:txBody>
+          <a:bodyPr rtlCol="0" anchor="ctr"/>
+          <a:lstStyle/>
+          <a:p>
+            <a:pPr algn="ctr"/>
+            <a:endParaRPr lang="ko-KR" altLang="en-US"/>
+          </a:p>
+        </p:txBody>
+      </p:sp>
+      <p:sp>
+        <p:nvSpPr>
+          <p:cNvPr id="20" name="아래쪽 화살표 19"/>
+          <p:cNvSpPr/>
+          <p:nvPr/>
+        </p:nvSpPr>
+        <p:spPr>
+          <a:xfrm>
+            <a:off x="3857620" y="4500570"/>
+            <a:ext cx="428628" cy="500066"/>
+          </a:xfrm>
+          <a:prstGeom prst="downArrow">
+            <a:avLst/>
+          </a:prstGeom>
+          <a:solidFill>
+            <a:schemeClr val="tx1"/>
+          </a:solidFill>
+          <a:ln>
+            <a:noFill/>
+          </a:ln>
+        </p:spPr>
+        <p:style>
+          <a:lnRef idx="2">
+            <a:schemeClr val="accent1">
+              <a:shade val="50000"/>
+            </a:schemeClr>
+          </a:lnRef>
+          <a:fillRef idx="1">
+            <a:schemeClr val="accent1"/>
+          </a:fillRef>
+          <a:effectRef idx="0">
+            <a:schemeClr val="accent1"/>
+          </a:effectRef>
+          <a:fontRef idx="minor">
+            <a:schemeClr val="lt1"/>
+          </a:fontRef>
+        </p:style>
+        <p:txBody>
+          <a:bodyPr rtlCol="0" anchor="ctr"/>
+          <a:lstStyle/>
+          <a:p>
+            <a:pPr algn="ctr"/>
+            <a:endParaRPr lang="ko-KR" altLang="en-US"/>
           </a:p>
         </p:txBody>
       </p:sp>
